--- a/ppt 16-9/0706.求主怜悯.pptx
+++ b/ppt 16-9/0706.求主怜悯.pptx
@@ -5,7 +5,7 @@
     <p:sldMasterId id="2147483648" r:id="rId1"/>
   </p:sldMasterIdLst>
   <p:sldIdLst>
-    <p:sldId id="1929" r:id="rId2"/>
+    <p:sldId id="1934" r:id="rId2"/>
   </p:sldIdLst>
   <p:sldSz cx="12192000" cy="6858000"/>
   <p:notesSz cx="6858000" cy="9144000"/>
@@ -129,7 +129,7 @@
           <p:cNvPr id="2" name="标题 1">
             <a:extLst>
               <a:ext uri="{FF2B5EF4-FFF2-40B4-BE49-F238E27FC236}">
-                <a16:creationId xmlns:a16="http://schemas.microsoft.com/office/drawing/2014/main" id="{7C8F5547-BAA5-8788-DE8A-428B6C2BF468}"/>
+                <a16:creationId xmlns:a16="http://schemas.microsoft.com/office/drawing/2014/main" id="{B12D3299-2F1B-5C00-ECD8-98075DA5A537}"/>
               </a:ext>
             </a:extLst>
           </p:cNvPr>
@@ -166,7 +166,7 @@
           <p:cNvPr id="3" name="副标题 2">
             <a:extLst>
               <a:ext uri="{FF2B5EF4-FFF2-40B4-BE49-F238E27FC236}">
-                <a16:creationId xmlns:a16="http://schemas.microsoft.com/office/drawing/2014/main" id="{B8F0CEAA-DE97-6B52-0540-D215D21540A4}"/>
+                <a16:creationId xmlns:a16="http://schemas.microsoft.com/office/drawing/2014/main" id="{0CAE2873-DB72-F54A-8FD6-0A3A6F7208FF}"/>
               </a:ext>
             </a:extLst>
           </p:cNvPr>
@@ -236,7 +236,7 @@
           <p:cNvPr id="4" name="日期占位符 3">
             <a:extLst>
               <a:ext uri="{FF2B5EF4-FFF2-40B4-BE49-F238E27FC236}">
-                <a16:creationId xmlns:a16="http://schemas.microsoft.com/office/drawing/2014/main" id="{0B7AB269-83ED-4B9C-28CD-1ECCA6CFBE17}"/>
+                <a16:creationId xmlns:a16="http://schemas.microsoft.com/office/drawing/2014/main" id="{CDF239B6-8DFD-ECBE-8F09-D1440AE6E91E}"/>
               </a:ext>
             </a:extLst>
           </p:cNvPr>
@@ -252,7 +252,7 @@
           <a:bodyPr/>
           <a:lstStyle/>
           <a:p>
-            <a:fld id="{AD3CB3AA-2316-4F40-B0F5-DE3A0062DBBD}" type="datetimeFigureOut">
+            <a:fld id="{B5A3552B-E8B9-49BF-9187-DDB7CAE38423}" type="datetimeFigureOut">
               <a:rPr lang="zh-CN" altLang="en-US" smtClean="0"/>
               <a:t>2024/3/10</a:t>
             </a:fld>
@@ -265,7 +265,7 @@
           <p:cNvPr id="5" name="页脚占位符 4">
             <a:extLst>
               <a:ext uri="{FF2B5EF4-FFF2-40B4-BE49-F238E27FC236}">
-                <a16:creationId xmlns:a16="http://schemas.microsoft.com/office/drawing/2014/main" id="{BA301892-202A-6668-A623-44F8627A33D0}"/>
+                <a16:creationId xmlns:a16="http://schemas.microsoft.com/office/drawing/2014/main" id="{3BEA55B9-DE63-2099-D5B1-07BEEAB7D805}"/>
               </a:ext>
             </a:extLst>
           </p:cNvPr>
@@ -290,7 +290,7 @@
           <p:cNvPr id="6" name="灯片编号占位符 5">
             <a:extLst>
               <a:ext uri="{FF2B5EF4-FFF2-40B4-BE49-F238E27FC236}">
-                <a16:creationId xmlns:a16="http://schemas.microsoft.com/office/drawing/2014/main" id="{60354170-C9B6-D7AE-6419-6C9634DEB24F}"/>
+                <a16:creationId xmlns:a16="http://schemas.microsoft.com/office/drawing/2014/main" id="{63BF21F5-04F9-5865-A4FB-94AB3ED7E61F}"/>
               </a:ext>
             </a:extLst>
           </p:cNvPr>
@@ -306,7 +306,7 @@
           <a:bodyPr/>
           <a:lstStyle/>
           <a:p>
-            <a:fld id="{248F2F9D-0E0A-4DEA-A3CD-A8F5D3E43C12}" type="slidenum">
+            <a:fld id="{FE315FBA-0E7A-4DC1-9B5B-F6271765557E}" type="slidenum">
               <a:rPr lang="zh-CN" altLang="en-US" smtClean="0"/>
               <a:t>‹#›</a:t>
             </a:fld>
@@ -317,7 +317,7 @@
     </p:spTree>
     <p:extLst>
       <p:ext uri="{BB962C8B-B14F-4D97-AF65-F5344CB8AC3E}">
-        <p14:creationId xmlns:p14="http://schemas.microsoft.com/office/powerpoint/2010/main" val="113670811"/>
+        <p14:creationId xmlns:p14="http://schemas.microsoft.com/office/powerpoint/2010/main" val="1157617737"/>
       </p:ext>
     </p:extLst>
   </p:cSld>
@@ -349,7 +349,7 @@
           <p:cNvPr id="2" name="标题 1">
             <a:extLst>
               <a:ext uri="{FF2B5EF4-FFF2-40B4-BE49-F238E27FC236}">
-                <a16:creationId xmlns:a16="http://schemas.microsoft.com/office/drawing/2014/main" id="{15CA8F41-C5CE-1DC0-0E8B-04F2C93B1465}"/>
+                <a16:creationId xmlns:a16="http://schemas.microsoft.com/office/drawing/2014/main" id="{FB9596A5-9739-8BA3-13A3-B7CD8478B6EA}"/>
               </a:ext>
             </a:extLst>
           </p:cNvPr>
@@ -377,7 +377,7 @@
           <p:cNvPr id="3" name="竖排文字占位符 2">
             <a:extLst>
               <a:ext uri="{FF2B5EF4-FFF2-40B4-BE49-F238E27FC236}">
-                <a16:creationId xmlns:a16="http://schemas.microsoft.com/office/drawing/2014/main" id="{2E5C74C1-BC26-D823-C3F6-CD3655E3BA07}"/>
+                <a16:creationId xmlns:a16="http://schemas.microsoft.com/office/drawing/2014/main" id="{3C1C1C62-127D-7120-F520-C37D46B7CD09}"/>
               </a:ext>
             </a:extLst>
           </p:cNvPr>
@@ -434,7 +434,7 @@
           <p:cNvPr id="4" name="日期占位符 3">
             <a:extLst>
               <a:ext uri="{FF2B5EF4-FFF2-40B4-BE49-F238E27FC236}">
-                <a16:creationId xmlns:a16="http://schemas.microsoft.com/office/drawing/2014/main" id="{DBE0C38E-B8C5-F9E1-C934-94B3B26CBD11}"/>
+                <a16:creationId xmlns:a16="http://schemas.microsoft.com/office/drawing/2014/main" id="{8BBF422F-F24B-547D-6228-7B49C194269B}"/>
               </a:ext>
             </a:extLst>
           </p:cNvPr>
@@ -450,7 +450,7 @@
           <a:bodyPr/>
           <a:lstStyle/>
           <a:p>
-            <a:fld id="{AD3CB3AA-2316-4F40-B0F5-DE3A0062DBBD}" type="datetimeFigureOut">
+            <a:fld id="{B5A3552B-E8B9-49BF-9187-DDB7CAE38423}" type="datetimeFigureOut">
               <a:rPr lang="zh-CN" altLang="en-US" smtClean="0"/>
               <a:t>2024/3/10</a:t>
             </a:fld>
@@ -463,7 +463,7 @@
           <p:cNvPr id="5" name="页脚占位符 4">
             <a:extLst>
               <a:ext uri="{FF2B5EF4-FFF2-40B4-BE49-F238E27FC236}">
-                <a16:creationId xmlns:a16="http://schemas.microsoft.com/office/drawing/2014/main" id="{8BCB9559-857B-4D60-6E8A-2E25E8D49510}"/>
+                <a16:creationId xmlns:a16="http://schemas.microsoft.com/office/drawing/2014/main" id="{D7C70DE8-60BD-C1AF-E6F2-52D952D821CC}"/>
               </a:ext>
             </a:extLst>
           </p:cNvPr>
@@ -488,7 +488,7 @@
           <p:cNvPr id="6" name="灯片编号占位符 5">
             <a:extLst>
               <a:ext uri="{FF2B5EF4-FFF2-40B4-BE49-F238E27FC236}">
-                <a16:creationId xmlns:a16="http://schemas.microsoft.com/office/drawing/2014/main" id="{E402B80A-B23F-EB18-7A51-160014BBDF28}"/>
+                <a16:creationId xmlns:a16="http://schemas.microsoft.com/office/drawing/2014/main" id="{ACD2676B-C0FD-8818-C8A7-AC7B82F7078D}"/>
               </a:ext>
             </a:extLst>
           </p:cNvPr>
@@ -504,7 +504,7 @@
           <a:bodyPr/>
           <a:lstStyle/>
           <a:p>
-            <a:fld id="{248F2F9D-0E0A-4DEA-A3CD-A8F5D3E43C12}" type="slidenum">
+            <a:fld id="{FE315FBA-0E7A-4DC1-9B5B-F6271765557E}" type="slidenum">
               <a:rPr lang="zh-CN" altLang="en-US" smtClean="0"/>
               <a:t>‹#›</a:t>
             </a:fld>
@@ -515,7 +515,7 @@
     </p:spTree>
     <p:extLst>
       <p:ext uri="{BB962C8B-B14F-4D97-AF65-F5344CB8AC3E}">
-        <p14:creationId xmlns:p14="http://schemas.microsoft.com/office/powerpoint/2010/main" val="4268069487"/>
+        <p14:creationId xmlns:p14="http://schemas.microsoft.com/office/powerpoint/2010/main" val="75831153"/>
       </p:ext>
     </p:extLst>
   </p:cSld>
@@ -547,7 +547,7 @@
           <p:cNvPr id="2" name="竖排标题 1">
             <a:extLst>
               <a:ext uri="{FF2B5EF4-FFF2-40B4-BE49-F238E27FC236}">
-                <a16:creationId xmlns:a16="http://schemas.microsoft.com/office/drawing/2014/main" id="{ABC1AD2B-D81C-E5C1-7692-8C5EC720569D}"/>
+                <a16:creationId xmlns:a16="http://schemas.microsoft.com/office/drawing/2014/main" id="{91249CB5-266C-B224-BCAB-6E2EBC10524E}"/>
               </a:ext>
             </a:extLst>
           </p:cNvPr>
@@ -580,7 +580,7 @@
           <p:cNvPr id="3" name="竖排文字占位符 2">
             <a:extLst>
               <a:ext uri="{FF2B5EF4-FFF2-40B4-BE49-F238E27FC236}">
-                <a16:creationId xmlns:a16="http://schemas.microsoft.com/office/drawing/2014/main" id="{631F9894-6005-5FF5-C5B9-11A51F31177F}"/>
+                <a16:creationId xmlns:a16="http://schemas.microsoft.com/office/drawing/2014/main" id="{CBE83C9D-9419-91E8-6333-1E746F2E4412}"/>
               </a:ext>
             </a:extLst>
           </p:cNvPr>
@@ -642,7 +642,7 @@
           <p:cNvPr id="4" name="日期占位符 3">
             <a:extLst>
               <a:ext uri="{FF2B5EF4-FFF2-40B4-BE49-F238E27FC236}">
-                <a16:creationId xmlns:a16="http://schemas.microsoft.com/office/drawing/2014/main" id="{1BDDFC59-E3C1-4858-5A63-0E146E064A49}"/>
+                <a16:creationId xmlns:a16="http://schemas.microsoft.com/office/drawing/2014/main" id="{CBB94B71-DF9B-0FF5-A083-2FA9DBFC1C36}"/>
               </a:ext>
             </a:extLst>
           </p:cNvPr>
@@ -658,7 +658,7 @@
           <a:bodyPr/>
           <a:lstStyle/>
           <a:p>
-            <a:fld id="{AD3CB3AA-2316-4F40-B0F5-DE3A0062DBBD}" type="datetimeFigureOut">
+            <a:fld id="{B5A3552B-E8B9-49BF-9187-DDB7CAE38423}" type="datetimeFigureOut">
               <a:rPr lang="zh-CN" altLang="en-US" smtClean="0"/>
               <a:t>2024/3/10</a:t>
             </a:fld>
@@ -671,7 +671,7 @@
           <p:cNvPr id="5" name="页脚占位符 4">
             <a:extLst>
               <a:ext uri="{FF2B5EF4-FFF2-40B4-BE49-F238E27FC236}">
-                <a16:creationId xmlns:a16="http://schemas.microsoft.com/office/drawing/2014/main" id="{5B85CE12-8323-0D77-2FB1-DFFDAE0CFF0F}"/>
+                <a16:creationId xmlns:a16="http://schemas.microsoft.com/office/drawing/2014/main" id="{FD5B9A69-F548-E768-DAC4-B9548D37C776}"/>
               </a:ext>
             </a:extLst>
           </p:cNvPr>
@@ -696,7 +696,7 @@
           <p:cNvPr id="6" name="灯片编号占位符 5">
             <a:extLst>
               <a:ext uri="{FF2B5EF4-FFF2-40B4-BE49-F238E27FC236}">
-                <a16:creationId xmlns:a16="http://schemas.microsoft.com/office/drawing/2014/main" id="{B685C0D3-CF6B-F7B6-2F8B-8B61502F38B1}"/>
+                <a16:creationId xmlns:a16="http://schemas.microsoft.com/office/drawing/2014/main" id="{F253E11E-DF25-4C79-4B57-6E6137405999}"/>
               </a:ext>
             </a:extLst>
           </p:cNvPr>
@@ -712,7 +712,7 @@
           <a:bodyPr/>
           <a:lstStyle/>
           <a:p>
-            <a:fld id="{248F2F9D-0E0A-4DEA-A3CD-A8F5D3E43C12}" type="slidenum">
+            <a:fld id="{FE315FBA-0E7A-4DC1-9B5B-F6271765557E}" type="slidenum">
               <a:rPr lang="zh-CN" altLang="en-US" smtClean="0"/>
               <a:t>‹#›</a:t>
             </a:fld>
@@ -723,7 +723,7 @@
     </p:spTree>
     <p:extLst>
       <p:ext uri="{BB962C8B-B14F-4D97-AF65-F5344CB8AC3E}">
-        <p14:creationId xmlns:p14="http://schemas.microsoft.com/office/powerpoint/2010/main" val="1231085279"/>
+        <p14:creationId xmlns:p14="http://schemas.microsoft.com/office/powerpoint/2010/main" val="2167301999"/>
       </p:ext>
     </p:extLst>
   </p:cSld>
@@ -755,7 +755,7 @@
           <p:cNvPr id="2" name="标题 1">
             <a:extLst>
               <a:ext uri="{FF2B5EF4-FFF2-40B4-BE49-F238E27FC236}">
-                <a16:creationId xmlns:a16="http://schemas.microsoft.com/office/drawing/2014/main" id="{7CF99A3C-D242-B696-334A-59E932DE4DB7}"/>
+                <a16:creationId xmlns:a16="http://schemas.microsoft.com/office/drawing/2014/main" id="{B4C97362-0937-E7CC-754B-87D6B0A6CCE1}"/>
               </a:ext>
             </a:extLst>
           </p:cNvPr>
@@ -783,7 +783,7 @@
           <p:cNvPr id="3" name="内容占位符 2">
             <a:extLst>
               <a:ext uri="{FF2B5EF4-FFF2-40B4-BE49-F238E27FC236}">
-                <a16:creationId xmlns:a16="http://schemas.microsoft.com/office/drawing/2014/main" id="{37E700EC-2346-F0F7-855E-CCA724A99F12}"/>
+                <a16:creationId xmlns:a16="http://schemas.microsoft.com/office/drawing/2014/main" id="{DF417347-21F6-4521-2014-00E5668FB96C}"/>
               </a:ext>
             </a:extLst>
           </p:cNvPr>
@@ -840,7 +840,7 @@
           <p:cNvPr id="4" name="日期占位符 3">
             <a:extLst>
               <a:ext uri="{FF2B5EF4-FFF2-40B4-BE49-F238E27FC236}">
-                <a16:creationId xmlns:a16="http://schemas.microsoft.com/office/drawing/2014/main" id="{D8170577-5161-15F2-1561-E670D70E3D65}"/>
+                <a16:creationId xmlns:a16="http://schemas.microsoft.com/office/drawing/2014/main" id="{31D203CB-2621-20E7-466C-05ED5D5548D2}"/>
               </a:ext>
             </a:extLst>
           </p:cNvPr>
@@ -856,7 +856,7 @@
           <a:bodyPr/>
           <a:lstStyle/>
           <a:p>
-            <a:fld id="{AD3CB3AA-2316-4F40-B0F5-DE3A0062DBBD}" type="datetimeFigureOut">
+            <a:fld id="{B5A3552B-E8B9-49BF-9187-DDB7CAE38423}" type="datetimeFigureOut">
               <a:rPr lang="zh-CN" altLang="en-US" smtClean="0"/>
               <a:t>2024/3/10</a:t>
             </a:fld>
@@ -869,7 +869,7 @@
           <p:cNvPr id="5" name="页脚占位符 4">
             <a:extLst>
               <a:ext uri="{FF2B5EF4-FFF2-40B4-BE49-F238E27FC236}">
-                <a16:creationId xmlns:a16="http://schemas.microsoft.com/office/drawing/2014/main" id="{77C30D9E-2F55-60BA-BCF5-C04C0C620837}"/>
+                <a16:creationId xmlns:a16="http://schemas.microsoft.com/office/drawing/2014/main" id="{0F81753E-67F3-7C98-A84C-68F7DB88E7A8}"/>
               </a:ext>
             </a:extLst>
           </p:cNvPr>
@@ -894,7 +894,7 @@
           <p:cNvPr id="6" name="灯片编号占位符 5">
             <a:extLst>
               <a:ext uri="{FF2B5EF4-FFF2-40B4-BE49-F238E27FC236}">
-                <a16:creationId xmlns:a16="http://schemas.microsoft.com/office/drawing/2014/main" id="{8F0B0DFA-BD2F-6A13-E15D-7B53BAAF2896}"/>
+                <a16:creationId xmlns:a16="http://schemas.microsoft.com/office/drawing/2014/main" id="{1D7CC948-27A9-D089-61C1-4D2692288061}"/>
               </a:ext>
             </a:extLst>
           </p:cNvPr>
@@ -910,7 +910,7 @@
           <a:bodyPr/>
           <a:lstStyle/>
           <a:p>
-            <a:fld id="{248F2F9D-0E0A-4DEA-A3CD-A8F5D3E43C12}" type="slidenum">
+            <a:fld id="{FE315FBA-0E7A-4DC1-9B5B-F6271765557E}" type="slidenum">
               <a:rPr lang="zh-CN" altLang="en-US" smtClean="0"/>
               <a:t>‹#›</a:t>
             </a:fld>
@@ -921,7 +921,7 @@
     </p:spTree>
     <p:extLst>
       <p:ext uri="{BB962C8B-B14F-4D97-AF65-F5344CB8AC3E}">
-        <p14:creationId xmlns:p14="http://schemas.microsoft.com/office/powerpoint/2010/main" val="773857513"/>
+        <p14:creationId xmlns:p14="http://schemas.microsoft.com/office/powerpoint/2010/main" val="31405790"/>
       </p:ext>
     </p:extLst>
   </p:cSld>
@@ -953,7 +953,7 @@
           <p:cNvPr id="2" name="标题 1">
             <a:extLst>
               <a:ext uri="{FF2B5EF4-FFF2-40B4-BE49-F238E27FC236}">
-                <a16:creationId xmlns:a16="http://schemas.microsoft.com/office/drawing/2014/main" id="{44E3E5F1-28CB-37EC-A8FF-89608C223570}"/>
+                <a16:creationId xmlns:a16="http://schemas.microsoft.com/office/drawing/2014/main" id="{F10D9448-4FFE-EA0D-5E4C-3AB4444ECC1B}"/>
               </a:ext>
             </a:extLst>
           </p:cNvPr>
@@ -990,7 +990,7 @@
           <p:cNvPr id="3" name="文本占位符 2">
             <a:extLst>
               <a:ext uri="{FF2B5EF4-FFF2-40B4-BE49-F238E27FC236}">
-                <a16:creationId xmlns:a16="http://schemas.microsoft.com/office/drawing/2014/main" id="{B7AD6EF8-C3E6-D61E-5C53-8A1B9362C4BB}"/>
+                <a16:creationId xmlns:a16="http://schemas.microsoft.com/office/drawing/2014/main" id="{B95C305F-5F76-8334-CE7F-E42685CA0697}"/>
               </a:ext>
             </a:extLst>
           </p:cNvPr>
@@ -1115,7 +1115,7 @@
           <p:cNvPr id="4" name="日期占位符 3">
             <a:extLst>
               <a:ext uri="{FF2B5EF4-FFF2-40B4-BE49-F238E27FC236}">
-                <a16:creationId xmlns:a16="http://schemas.microsoft.com/office/drawing/2014/main" id="{41B5366E-6A12-0704-9473-90BF0125406D}"/>
+                <a16:creationId xmlns:a16="http://schemas.microsoft.com/office/drawing/2014/main" id="{B4504A18-F581-C421-AE9F-B90F3CA39E8C}"/>
               </a:ext>
             </a:extLst>
           </p:cNvPr>
@@ -1131,7 +1131,7 @@
           <a:bodyPr/>
           <a:lstStyle/>
           <a:p>
-            <a:fld id="{AD3CB3AA-2316-4F40-B0F5-DE3A0062DBBD}" type="datetimeFigureOut">
+            <a:fld id="{B5A3552B-E8B9-49BF-9187-DDB7CAE38423}" type="datetimeFigureOut">
               <a:rPr lang="zh-CN" altLang="en-US" smtClean="0"/>
               <a:t>2024/3/10</a:t>
             </a:fld>
@@ -1144,7 +1144,7 @@
           <p:cNvPr id="5" name="页脚占位符 4">
             <a:extLst>
               <a:ext uri="{FF2B5EF4-FFF2-40B4-BE49-F238E27FC236}">
-                <a16:creationId xmlns:a16="http://schemas.microsoft.com/office/drawing/2014/main" id="{21F2D5F0-AD62-8B59-37E0-0552EAFDC22F}"/>
+                <a16:creationId xmlns:a16="http://schemas.microsoft.com/office/drawing/2014/main" id="{EDDDBB80-3102-1DBD-9FBA-23EFA51D30D2}"/>
               </a:ext>
             </a:extLst>
           </p:cNvPr>
@@ -1169,7 +1169,7 @@
           <p:cNvPr id="6" name="灯片编号占位符 5">
             <a:extLst>
               <a:ext uri="{FF2B5EF4-FFF2-40B4-BE49-F238E27FC236}">
-                <a16:creationId xmlns:a16="http://schemas.microsoft.com/office/drawing/2014/main" id="{3797373E-4E9B-6FB1-EA90-97F020A8432C}"/>
+                <a16:creationId xmlns:a16="http://schemas.microsoft.com/office/drawing/2014/main" id="{234B6FAB-1F98-A12D-6D72-41C1FE6F6AF9}"/>
               </a:ext>
             </a:extLst>
           </p:cNvPr>
@@ -1185,7 +1185,7 @@
           <a:bodyPr/>
           <a:lstStyle/>
           <a:p>
-            <a:fld id="{248F2F9D-0E0A-4DEA-A3CD-A8F5D3E43C12}" type="slidenum">
+            <a:fld id="{FE315FBA-0E7A-4DC1-9B5B-F6271765557E}" type="slidenum">
               <a:rPr lang="zh-CN" altLang="en-US" smtClean="0"/>
               <a:t>‹#›</a:t>
             </a:fld>
@@ -1196,7 +1196,7 @@
     </p:spTree>
     <p:extLst>
       <p:ext uri="{BB962C8B-B14F-4D97-AF65-F5344CB8AC3E}">
-        <p14:creationId xmlns:p14="http://schemas.microsoft.com/office/powerpoint/2010/main" val="839054321"/>
+        <p14:creationId xmlns:p14="http://schemas.microsoft.com/office/powerpoint/2010/main" val="3861291665"/>
       </p:ext>
     </p:extLst>
   </p:cSld>
@@ -1228,7 +1228,7 @@
           <p:cNvPr id="2" name="标题 1">
             <a:extLst>
               <a:ext uri="{FF2B5EF4-FFF2-40B4-BE49-F238E27FC236}">
-                <a16:creationId xmlns:a16="http://schemas.microsoft.com/office/drawing/2014/main" id="{35E22858-2707-FBD3-D66C-B1E75EFC272D}"/>
+                <a16:creationId xmlns:a16="http://schemas.microsoft.com/office/drawing/2014/main" id="{6613757B-A2C6-FA54-A9DE-C9BAA2213DB1}"/>
               </a:ext>
             </a:extLst>
           </p:cNvPr>
@@ -1256,7 +1256,7 @@
           <p:cNvPr id="3" name="内容占位符 2">
             <a:extLst>
               <a:ext uri="{FF2B5EF4-FFF2-40B4-BE49-F238E27FC236}">
-                <a16:creationId xmlns:a16="http://schemas.microsoft.com/office/drawing/2014/main" id="{2B2D60D2-55E0-EB94-8E32-D3FDCEBA097D}"/>
+                <a16:creationId xmlns:a16="http://schemas.microsoft.com/office/drawing/2014/main" id="{1A512189-8566-D07E-6762-09E53553C379}"/>
               </a:ext>
             </a:extLst>
           </p:cNvPr>
@@ -1318,7 +1318,7 @@
           <p:cNvPr id="4" name="内容占位符 3">
             <a:extLst>
               <a:ext uri="{FF2B5EF4-FFF2-40B4-BE49-F238E27FC236}">
-                <a16:creationId xmlns:a16="http://schemas.microsoft.com/office/drawing/2014/main" id="{126C9C95-2ED7-31C7-4FC5-DB77A72C80ED}"/>
+                <a16:creationId xmlns:a16="http://schemas.microsoft.com/office/drawing/2014/main" id="{FE5AD865-2C4D-BC60-F7F7-4886294976E8}"/>
               </a:ext>
             </a:extLst>
           </p:cNvPr>
@@ -1380,7 +1380,7 @@
           <p:cNvPr id="5" name="日期占位符 4">
             <a:extLst>
               <a:ext uri="{FF2B5EF4-FFF2-40B4-BE49-F238E27FC236}">
-                <a16:creationId xmlns:a16="http://schemas.microsoft.com/office/drawing/2014/main" id="{F1E91EAB-8F9D-8E60-A1E0-21BFF42220F5}"/>
+                <a16:creationId xmlns:a16="http://schemas.microsoft.com/office/drawing/2014/main" id="{DA7CB35E-73E3-AE40-94A5-DBC1C2744C74}"/>
               </a:ext>
             </a:extLst>
           </p:cNvPr>
@@ -1396,7 +1396,7 @@
           <a:bodyPr/>
           <a:lstStyle/>
           <a:p>
-            <a:fld id="{AD3CB3AA-2316-4F40-B0F5-DE3A0062DBBD}" type="datetimeFigureOut">
+            <a:fld id="{B5A3552B-E8B9-49BF-9187-DDB7CAE38423}" type="datetimeFigureOut">
               <a:rPr lang="zh-CN" altLang="en-US" smtClean="0"/>
               <a:t>2024/3/10</a:t>
             </a:fld>
@@ -1409,7 +1409,7 @@
           <p:cNvPr id="6" name="页脚占位符 5">
             <a:extLst>
               <a:ext uri="{FF2B5EF4-FFF2-40B4-BE49-F238E27FC236}">
-                <a16:creationId xmlns:a16="http://schemas.microsoft.com/office/drawing/2014/main" id="{C2FD3EAD-9EDC-4D0F-4F10-9DD881A9D18C}"/>
+                <a16:creationId xmlns:a16="http://schemas.microsoft.com/office/drawing/2014/main" id="{B2C2F132-E146-C464-BB04-C613D5799E54}"/>
               </a:ext>
             </a:extLst>
           </p:cNvPr>
@@ -1434,7 +1434,7 @@
           <p:cNvPr id="7" name="灯片编号占位符 6">
             <a:extLst>
               <a:ext uri="{FF2B5EF4-FFF2-40B4-BE49-F238E27FC236}">
-                <a16:creationId xmlns:a16="http://schemas.microsoft.com/office/drawing/2014/main" id="{93BE2D27-5AC8-4A74-1DD0-C2F9B6792A96}"/>
+                <a16:creationId xmlns:a16="http://schemas.microsoft.com/office/drawing/2014/main" id="{8317A827-C06A-67BE-EEE2-E3E8574270B1}"/>
               </a:ext>
             </a:extLst>
           </p:cNvPr>
@@ -1450,7 +1450,7 @@
           <a:bodyPr/>
           <a:lstStyle/>
           <a:p>
-            <a:fld id="{248F2F9D-0E0A-4DEA-A3CD-A8F5D3E43C12}" type="slidenum">
+            <a:fld id="{FE315FBA-0E7A-4DC1-9B5B-F6271765557E}" type="slidenum">
               <a:rPr lang="zh-CN" altLang="en-US" smtClean="0"/>
               <a:t>‹#›</a:t>
             </a:fld>
@@ -1461,7 +1461,7 @@
     </p:spTree>
     <p:extLst>
       <p:ext uri="{BB962C8B-B14F-4D97-AF65-F5344CB8AC3E}">
-        <p14:creationId xmlns:p14="http://schemas.microsoft.com/office/powerpoint/2010/main" val="110513912"/>
+        <p14:creationId xmlns:p14="http://schemas.microsoft.com/office/powerpoint/2010/main" val="1526002277"/>
       </p:ext>
     </p:extLst>
   </p:cSld>
@@ -1493,7 +1493,7 @@
           <p:cNvPr id="2" name="标题 1">
             <a:extLst>
               <a:ext uri="{FF2B5EF4-FFF2-40B4-BE49-F238E27FC236}">
-                <a16:creationId xmlns:a16="http://schemas.microsoft.com/office/drawing/2014/main" id="{B7C2433C-FAAA-7DD2-9123-FFCBE35A27B5}"/>
+                <a16:creationId xmlns:a16="http://schemas.microsoft.com/office/drawing/2014/main" id="{A4D434C7-E962-AA58-46B7-28FE0035500A}"/>
               </a:ext>
             </a:extLst>
           </p:cNvPr>
@@ -1526,7 +1526,7 @@
           <p:cNvPr id="3" name="文本占位符 2">
             <a:extLst>
               <a:ext uri="{FF2B5EF4-FFF2-40B4-BE49-F238E27FC236}">
-                <a16:creationId xmlns:a16="http://schemas.microsoft.com/office/drawing/2014/main" id="{478DD064-606C-B71C-0E80-8554E10A5D41}"/>
+                <a16:creationId xmlns:a16="http://schemas.microsoft.com/office/drawing/2014/main" id="{6261A7E9-2716-AFDE-EA78-EBDC579236F0}"/>
               </a:ext>
             </a:extLst>
           </p:cNvPr>
@@ -1597,7 +1597,7 @@
           <p:cNvPr id="4" name="内容占位符 3">
             <a:extLst>
               <a:ext uri="{FF2B5EF4-FFF2-40B4-BE49-F238E27FC236}">
-                <a16:creationId xmlns:a16="http://schemas.microsoft.com/office/drawing/2014/main" id="{D07A9FB1-7C97-101D-F21B-B137D6C7CACE}"/>
+                <a16:creationId xmlns:a16="http://schemas.microsoft.com/office/drawing/2014/main" id="{5FB70AA5-B9B7-028A-192F-DFBF33DD9AFD}"/>
               </a:ext>
             </a:extLst>
           </p:cNvPr>
@@ -1659,7 +1659,7 @@
           <p:cNvPr id="5" name="文本占位符 4">
             <a:extLst>
               <a:ext uri="{FF2B5EF4-FFF2-40B4-BE49-F238E27FC236}">
-                <a16:creationId xmlns:a16="http://schemas.microsoft.com/office/drawing/2014/main" id="{0989E092-2018-C75A-C733-F4F755B291DC}"/>
+                <a16:creationId xmlns:a16="http://schemas.microsoft.com/office/drawing/2014/main" id="{2973409C-48B9-030E-B964-98408F76C5F9}"/>
               </a:ext>
             </a:extLst>
           </p:cNvPr>
@@ -1730,7 +1730,7 @@
           <p:cNvPr id="6" name="内容占位符 5">
             <a:extLst>
               <a:ext uri="{FF2B5EF4-FFF2-40B4-BE49-F238E27FC236}">
-                <a16:creationId xmlns:a16="http://schemas.microsoft.com/office/drawing/2014/main" id="{7DA2856A-292A-6E34-342C-6872CD644DAC}"/>
+                <a16:creationId xmlns:a16="http://schemas.microsoft.com/office/drawing/2014/main" id="{CC1E5C98-0DF0-6E0C-0A83-767C4B1ADEB4}"/>
               </a:ext>
             </a:extLst>
           </p:cNvPr>
@@ -1792,7 +1792,7 @@
           <p:cNvPr id="7" name="日期占位符 6">
             <a:extLst>
               <a:ext uri="{FF2B5EF4-FFF2-40B4-BE49-F238E27FC236}">
-                <a16:creationId xmlns:a16="http://schemas.microsoft.com/office/drawing/2014/main" id="{6DCE40CC-AD83-3FFB-4FE2-7AA88D9CE3AC}"/>
+                <a16:creationId xmlns:a16="http://schemas.microsoft.com/office/drawing/2014/main" id="{8466F312-9A9C-4157-D468-929F342FB7AD}"/>
               </a:ext>
             </a:extLst>
           </p:cNvPr>
@@ -1808,7 +1808,7 @@
           <a:bodyPr/>
           <a:lstStyle/>
           <a:p>
-            <a:fld id="{AD3CB3AA-2316-4F40-B0F5-DE3A0062DBBD}" type="datetimeFigureOut">
+            <a:fld id="{B5A3552B-E8B9-49BF-9187-DDB7CAE38423}" type="datetimeFigureOut">
               <a:rPr lang="zh-CN" altLang="en-US" smtClean="0"/>
               <a:t>2024/3/10</a:t>
             </a:fld>
@@ -1821,7 +1821,7 @@
           <p:cNvPr id="8" name="页脚占位符 7">
             <a:extLst>
               <a:ext uri="{FF2B5EF4-FFF2-40B4-BE49-F238E27FC236}">
-                <a16:creationId xmlns:a16="http://schemas.microsoft.com/office/drawing/2014/main" id="{714EA08A-4F21-A11E-7CFA-CC86B0D9F269}"/>
+                <a16:creationId xmlns:a16="http://schemas.microsoft.com/office/drawing/2014/main" id="{08A3C833-E1F2-44B4-AB13-B000B65E23A5}"/>
               </a:ext>
             </a:extLst>
           </p:cNvPr>
@@ -1846,7 +1846,7 @@
           <p:cNvPr id="9" name="灯片编号占位符 8">
             <a:extLst>
               <a:ext uri="{FF2B5EF4-FFF2-40B4-BE49-F238E27FC236}">
-                <a16:creationId xmlns:a16="http://schemas.microsoft.com/office/drawing/2014/main" id="{84B106E2-0F39-6BD4-2CAB-FD7B7DA4EA8B}"/>
+                <a16:creationId xmlns:a16="http://schemas.microsoft.com/office/drawing/2014/main" id="{B748ED62-213F-EDFF-DCDD-1C348B236B0A}"/>
               </a:ext>
             </a:extLst>
           </p:cNvPr>
@@ -1862,7 +1862,7 @@
           <a:bodyPr/>
           <a:lstStyle/>
           <a:p>
-            <a:fld id="{248F2F9D-0E0A-4DEA-A3CD-A8F5D3E43C12}" type="slidenum">
+            <a:fld id="{FE315FBA-0E7A-4DC1-9B5B-F6271765557E}" type="slidenum">
               <a:rPr lang="zh-CN" altLang="en-US" smtClean="0"/>
               <a:t>‹#›</a:t>
             </a:fld>
@@ -1873,7 +1873,7 @@
     </p:spTree>
     <p:extLst>
       <p:ext uri="{BB962C8B-B14F-4D97-AF65-F5344CB8AC3E}">
-        <p14:creationId xmlns:p14="http://schemas.microsoft.com/office/powerpoint/2010/main" val="2887428949"/>
+        <p14:creationId xmlns:p14="http://schemas.microsoft.com/office/powerpoint/2010/main" val="470101095"/>
       </p:ext>
     </p:extLst>
   </p:cSld>
@@ -1905,7 +1905,7 @@
           <p:cNvPr id="2" name="标题 1">
             <a:extLst>
               <a:ext uri="{FF2B5EF4-FFF2-40B4-BE49-F238E27FC236}">
-                <a16:creationId xmlns:a16="http://schemas.microsoft.com/office/drawing/2014/main" id="{B86984F7-078B-7689-5152-3028B6FAFD50}"/>
+                <a16:creationId xmlns:a16="http://schemas.microsoft.com/office/drawing/2014/main" id="{054DB27B-AAC8-8230-0540-35E229A4D9EF}"/>
               </a:ext>
             </a:extLst>
           </p:cNvPr>
@@ -1933,7 +1933,7 @@
           <p:cNvPr id="3" name="日期占位符 2">
             <a:extLst>
               <a:ext uri="{FF2B5EF4-FFF2-40B4-BE49-F238E27FC236}">
-                <a16:creationId xmlns:a16="http://schemas.microsoft.com/office/drawing/2014/main" id="{601EE0CC-4EF8-C4B9-D6FB-7465D297C317}"/>
+                <a16:creationId xmlns:a16="http://schemas.microsoft.com/office/drawing/2014/main" id="{3DB0E1C3-9912-07EB-5574-88983248E6FF}"/>
               </a:ext>
             </a:extLst>
           </p:cNvPr>
@@ -1949,7 +1949,7 @@
           <a:bodyPr/>
           <a:lstStyle/>
           <a:p>
-            <a:fld id="{AD3CB3AA-2316-4F40-B0F5-DE3A0062DBBD}" type="datetimeFigureOut">
+            <a:fld id="{B5A3552B-E8B9-49BF-9187-DDB7CAE38423}" type="datetimeFigureOut">
               <a:rPr lang="zh-CN" altLang="en-US" smtClean="0"/>
               <a:t>2024/3/10</a:t>
             </a:fld>
@@ -1962,7 +1962,7 @@
           <p:cNvPr id="4" name="页脚占位符 3">
             <a:extLst>
               <a:ext uri="{FF2B5EF4-FFF2-40B4-BE49-F238E27FC236}">
-                <a16:creationId xmlns:a16="http://schemas.microsoft.com/office/drawing/2014/main" id="{EEA3A8C0-F276-6126-7BA7-1EE4D7565F48}"/>
+                <a16:creationId xmlns:a16="http://schemas.microsoft.com/office/drawing/2014/main" id="{87CDB52C-B3FD-14D9-7D0B-89BA78EF74B5}"/>
               </a:ext>
             </a:extLst>
           </p:cNvPr>
@@ -1987,7 +1987,7 @@
           <p:cNvPr id="5" name="灯片编号占位符 4">
             <a:extLst>
               <a:ext uri="{FF2B5EF4-FFF2-40B4-BE49-F238E27FC236}">
-                <a16:creationId xmlns:a16="http://schemas.microsoft.com/office/drawing/2014/main" id="{C8B448F1-046E-B2EF-FB33-5CAFE335C37B}"/>
+                <a16:creationId xmlns:a16="http://schemas.microsoft.com/office/drawing/2014/main" id="{801816FA-B36A-1970-8F3E-7E32765111A6}"/>
               </a:ext>
             </a:extLst>
           </p:cNvPr>
@@ -2003,7 +2003,7 @@
           <a:bodyPr/>
           <a:lstStyle/>
           <a:p>
-            <a:fld id="{248F2F9D-0E0A-4DEA-A3CD-A8F5D3E43C12}" type="slidenum">
+            <a:fld id="{FE315FBA-0E7A-4DC1-9B5B-F6271765557E}" type="slidenum">
               <a:rPr lang="zh-CN" altLang="en-US" smtClean="0"/>
               <a:t>‹#›</a:t>
             </a:fld>
@@ -2014,7 +2014,7 @@
     </p:spTree>
     <p:extLst>
       <p:ext uri="{BB962C8B-B14F-4D97-AF65-F5344CB8AC3E}">
-        <p14:creationId xmlns:p14="http://schemas.microsoft.com/office/powerpoint/2010/main" val="521338613"/>
+        <p14:creationId xmlns:p14="http://schemas.microsoft.com/office/powerpoint/2010/main" val="656510614"/>
       </p:ext>
     </p:extLst>
   </p:cSld>
@@ -2046,7 +2046,7 @@
           <p:cNvPr id="2" name="日期占位符 1">
             <a:extLst>
               <a:ext uri="{FF2B5EF4-FFF2-40B4-BE49-F238E27FC236}">
-                <a16:creationId xmlns:a16="http://schemas.microsoft.com/office/drawing/2014/main" id="{69C7A1E9-DA7D-1E48-5BC1-C80E2FE9D052}"/>
+                <a16:creationId xmlns:a16="http://schemas.microsoft.com/office/drawing/2014/main" id="{E577CC1B-94C3-0E49-E236-854C871F4428}"/>
               </a:ext>
             </a:extLst>
           </p:cNvPr>
@@ -2062,7 +2062,7 @@
           <a:bodyPr/>
           <a:lstStyle/>
           <a:p>
-            <a:fld id="{AD3CB3AA-2316-4F40-B0F5-DE3A0062DBBD}" type="datetimeFigureOut">
+            <a:fld id="{B5A3552B-E8B9-49BF-9187-DDB7CAE38423}" type="datetimeFigureOut">
               <a:rPr lang="zh-CN" altLang="en-US" smtClean="0"/>
               <a:t>2024/3/10</a:t>
             </a:fld>
@@ -2075,7 +2075,7 @@
           <p:cNvPr id="3" name="页脚占位符 2">
             <a:extLst>
               <a:ext uri="{FF2B5EF4-FFF2-40B4-BE49-F238E27FC236}">
-                <a16:creationId xmlns:a16="http://schemas.microsoft.com/office/drawing/2014/main" id="{0DA10896-6C79-1CEF-E0F2-71673A9AD953}"/>
+                <a16:creationId xmlns:a16="http://schemas.microsoft.com/office/drawing/2014/main" id="{72DEFD30-99CD-421A-4237-A84963332293}"/>
               </a:ext>
             </a:extLst>
           </p:cNvPr>
@@ -2100,7 +2100,7 @@
           <p:cNvPr id="4" name="灯片编号占位符 3">
             <a:extLst>
               <a:ext uri="{FF2B5EF4-FFF2-40B4-BE49-F238E27FC236}">
-                <a16:creationId xmlns:a16="http://schemas.microsoft.com/office/drawing/2014/main" id="{24A9D6FA-6584-AF88-8436-69A6607FC55F}"/>
+                <a16:creationId xmlns:a16="http://schemas.microsoft.com/office/drawing/2014/main" id="{1DCBD125-1265-CF71-67D7-270B5C4A86B8}"/>
               </a:ext>
             </a:extLst>
           </p:cNvPr>
@@ -2116,7 +2116,7 @@
           <a:bodyPr/>
           <a:lstStyle/>
           <a:p>
-            <a:fld id="{248F2F9D-0E0A-4DEA-A3CD-A8F5D3E43C12}" type="slidenum">
+            <a:fld id="{FE315FBA-0E7A-4DC1-9B5B-F6271765557E}" type="slidenum">
               <a:rPr lang="zh-CN" altLang="en-US" smtClean="0"/>
               <a:t>‹#›</a:t>
             </a:fld>
@@ -2127,7 +2127,7 @@
     </p:spTree>
     <p:extLst>
       <p:ext uri="{BB962C8B-B14F-4D97-AF65-F5344CB8AC3E}">
-        <p14:creationId xmlns:p14="http://schemas.microsoft.com/office/powerpoint/2010/main" val="49719398"/>
+        <p14:creationId xmlns:p14="http://schemas.microsoft.com/office/powerpoint/2010/main" val="1956585195"/>
       </p:ext>
     </p:extLst>
   </p:cSld>
@@ -2159,7 +2159,7 @@
           <p:cNvPr id="2" name="标题 1">
             <a:extLst>
               <a:ext uri="{FF2B5EF4-FFF2-40B4-BE49-F238E27FC236}">
-                <a16:creationId xmlns:a16="http://schemas.microsoft.com/office/drawing/2014/main" id="{162332DA-5DDA-47E7-30B7-01F62033EA78}"/>
+                <a16:creationId xmlns:a16="http://schemas.microsoft.com/office/drawing/2014/main" id="{30AF0CE9-9C46-7EBB-0A7A-7B407B484254}"/>
               </a:ext>
             </a:extLst>
           </p:cNvPr>
@@ -2196,7 +2196,7 @@
           <p:cNvPr id="3" name="内容占位符 2">
             <a:extLst>
               <a:ext uri="{FF2B5EF4-FFF2-40B4-BE49-F238E27FC236}">
-                <a16:creationId xmlns:a16="http://schemas.microsoft.com/office/drawing/2014/main" id="{5F071691-EF71-FE57-013E-30689ADF6311}"/>
+                <a16:creationId xmlns:a16="http://schemas.microsoft.com/office/drawing/2014/main" id="{443828CE-8329-63C7-3365-7345138410A6}"/>
               </a:ext>
             </a:extLst>
           </p:cNvPr>
@@ -2286,7 +2286,7 @@
           <p:cNvPr id="4" name="文本占位符 3">
             <a:extLst>
               <a:ext uri="{FF2B5EF4-FFF2-40B4-BE49-F238E27FC236}">
-                <a16:creationId xmlns:a16="http://schemas.microsoft.com/office/drawing/2014/main" id="{6C6F2F52-4DD8-9552-8AC6-B7A783848671}"/>
+                <a16:creationId xmlns:a16="http://schemas.microsoft.com/office/drawing/2014/main" id="{D73A0FBE-A3F3-1C03-A9E9-4364A6B2DC04}"/>
               </a:ext>
             </a:extLst>
           </p:cNvPr>
@@ -2357,7 +2357,7 @@
           <p:cNvPr id="5" name="日期占位符 4">
             <a:extLst>
               <a:ext uri="{FF2B5EF4-FFF2-40B4-BE49-F238E27FC236}">
-                <a16:creationId xmlns:a16="http://schemas.microsoft.com/office/drawing/2014/main" id="{6434B83A-BCA7-2BFA-3644-B915C1BD7162}"/>
+                <a16:creationId xmlns:a16="http://schemas.microsoft.com/office/drawing/2014/main" id="{52E81175-A1E3-AC5E-03B2-D0405616B99B}"/>
               </a:ext>
             </a:extLst>
           </p:cNvPr>
@@ -2373,7 +2373,7 @@
           <a:bodyPr/>
           <a:lstStyle/>
           <a:p>
-            <a:fld id="{AD3CB3AA-2316-4F40-B0F5-DE3A0062DBBD}" type="datetimeFigureOut">
+            <a:fld id="{B5A3552B-E8B9-49BF-9187-DDB7CAE38423}" type="datetimeFigureOut">
               <a:rPr lang="zh-CN" altLang="en-US" smtClean="0"/>
               <a:t>2024/3/10</a:t>
             </a:fld>
@@ -2386,7 +2386,7 @@
           <p:cNvPr id="6" name="页脚占位符 5">
             <a:extLst>
               <a:ext uri="{FF2B5EF4-FFF2-40B4-BE49-F238E27FC236}">
-                <a16:creationId xmlns:a16="http://schemas.microsoft.com/office/drawing/2014/main" id="{9AA0275C-BABE-FB42-B2A0-B0B5E457B78E}"/>
+                <a16:creationId xmlns:a16="http://schemas.microsoft.com/office/drawing/2014/main" id="{C5D6F0BC-D73E-19D0-5B13-8D18E1B320D4}"/>
               </a:ext>
             </a:extLst>
           </p:cNvPr>
@@ -2411,7 +2411,7 @@
           <p:cNvPr id="7" name="灯片编号占位符 6">
             <a:extLst>
               <a:ext uri="{FF2B5EF4-FFF2-40B4-BE49-F238E27FC236}">
-                <a16:creationId xmlns:a16="http://schemas.microsoft.com/office/drawing/2014/main" id="{06E93CAF-EDA8-C2BD-4418-F1FAC894DA9E}"/>
+                <a16:creationId xmlns:a16="http://schemas.microsoft.com/office/drawing/2014/main" id="{E2F8F7CE-8407-D5DD-B948-9CC3ED7B15E3}"/>
               </a:ext>
             </a:extLst>
           </p:cNvPr>
@@ -2427,7 +2427,7 @@
           <a:bodyPr/>
           <a:lstStyle/>
           <a:p>
-            <a:fld id="{248F2F9D-0E0A-4DEA-A3CD-A8F5D3E43C12}" type="slidenum">
+            <a:fld id="{FE315FBA-0E7A-4DC1-9B5B-F6271765557E}" type="slidenum">
               <a:rPr lang="zh-CN" altLang="en-US" smtClean="0"/>
               <a:t>‹#›</a:t>
             </a:fld>
@@ -2438,7 +2438,7 @@
     </p:spTree>
     <p:extLst>
       <p:ext uri="{BB962C8B-B14F-4D97-AF65-F5344CB8AC3E}">
-        <p14:creationId xmlns:p14="http://schemas.microsoft.com/office/powerpoint/2010/main" val="653697313"/>
+        <p14:creationId xmlns:p14="http://schemas.microsoft.com/office/powerpoint/2010/main" val="3718038829"/>
       </p:ext>
     </p:extLst>
   </p:cSld>
@@ -2470,7 +2470,7 @@
           <p:cNvPr id="2" name="标题 1">
             <a:extLst>
               <a:ext uri="{FF2B5EF4-FFF2-40B4-BE49-F238E27FC236}">
-                <a16:creationId xmlns:a16="http://schemas.microsoft.com/office/drawing/2014/main" id="{CD25910D-A610-3D11-E1F9-AB5400DE0869}"/>
+                <a16:creationId xmlns:a16="http://schemas.microsoft.com/office/drawing/2014/main" id="{D14A2B3C-22CB-B604-353A-718B63AD4125}"/>
               </a:ext>
             </a:extLst>
           </p:cNvPr>
@@ -2507,7 +2507,7 @@
           <p:cNvPr id="3" name="图片占位符 2">
             <a:extLst>
               <a:ext uri="{FF2B5EF4-FFF2-40B4-BE49-F238E27FC236}">
-                <a16:creationId xmlns:a16="http://schemas.microsoft.com/office/drawing/2014/main" id="{0393374C-6D71-4272-BDAD-C67CF0A3AF0A}"/>
+                <a16:creationId xmlns:a16="http://schemas.microsoft.com/office/drawing/2014/main" id="{79189136-D2E5-25E3-5E2A-C573C0D948D0}"/>
               </a:ext>
             </a:extLst>
           </p:cNvPr>
@@ -2574,7 +2574,7 @@
           <p:cNvPr id="4" name="文本占位符 3">
             <a:extLst>
               <a:ext uri="{FF2B5EF4-FFF2-40B4-BE49-F238E27FC236}">
-                <a16:creationId xmlns:a16="http://schemas.microsoft.com/office/drawing/2014/main" id="{878EAF5C-09B4-499D-A61E-98DC87D2C27C}"/>
+                <a16:creationId xmlns:a16="http://schemas.microsoft.com/office/drawing/2014/main" id="{EB9737C9-C778-3994-F0CE-8446607A0F00}"/>
               </a:ext>
             </a:extLst>
           </p:cNvPr>
@@ -2645,7 +2645,7 @@
           <p:cNvPr id="5" name="日期占位符 4">
             <a:extLst>
               <a:ext uri="{FF2B5EF4-FFF2-40B4-BE49-F238E27FC236}">
-                <a16:creationId xmlns:a16="http://schemas.microsoft.com/office/drawing/2014/main" id="{6EA85E55-197F-E1DB-6B30-187AEB415249}"/>
+                <a16:creationId xmlns:a16="http://schemas.microsoft.com/office/drawing/2014/main" id="{F624EF78-B1BD-96F7-4571-2C7B20A74194}"/>
               </a:ext>
             </a:extLst>
           </p:cNvPr>
@@ -2661,7 +2661,7 @@
           <a:bodyPr/>
           <a:lstStyle/>
           <a:p>
-            <a:fld id="{AD3CB3AA-2316-4F40-B0F5-DE3A0062DBBD}" type="datetimeFigureOut">
+            <a:fld id="{B5A3552B-E8B9-49BF-9187-DDB7CAE38423}" type="datetimeFigureOut">
               <a:rPr lang="zh-CN" altLang="en-US" smtClean="0"/>
               <a:t>2024/3/10</a:t>
             </a:fld>
@@ -2674,7 +2674,7 @@
           <p:cNvPr id="6" name="页脚占位符 5">
             <a:extLst>
               <a:ext uri="{FF2B5EF4-FFF2-40B4-BE49-F238E27FC236}">
-                <a16:creationId xmlns:a16="http://schemas.microsoft.com/office/drawing/2014/main" id="{9BAA8BA3-5D58-B7FC-1D7E-362CBCB3B4E8}"/>
+                <a16:creationId xmlns:a16="http://schemas.microsoft.com/office/drawing/2014/main" id="{543AAFA6-8BA0-0396-CB3B-68D61D706876}"/>
               </a:ext>
             </a:extLst>
           </p:cNvPr>
@@ -2699,7 +2699,7 @@
           <p:cNvPr id="7" name="灯片编号占位符 6">
             <a:extLst>
               <a:ext uri="{FF2B5EF4-FFF2-40B4-BE49-F238E27FC236}">
-                <a16:creationId xmlns:a16="http://schemas.microsoft.com/office/drawing/2014/main" id="{A630D319-14D7-D27B-4F5C-805817782AAC}"/>
+                <a16:creationId xmlns:a16="http://schemas.microsoft.com/office/drawing/2014/main" id="{28FBA146-B2DA-C1D9-2414-52D772F0818F}"/>
               </a:ext>
             </a:extLst>
           </p:cNvPr>
@@ -2715,7 +2715,7 @@
           <a:bodyPr/>
           <a:lstStyle/>
           <a:p>
-            <a:fld id="{248F2F9D-0E0A-4DEA-A3CD-A8F5D3E43C12}" type="slidenum">
+            <a:fld id="{FE315FBA-0E7A-4DC1-9B5B-F6271765557E}" type="slidenum">
               <a:rPr lang="zh-CN" altLang="en-US" smtClean="0"/>
               <a:t>‹#›</a:t>
             </a:fld>
@@ -2726,7 +2726,7 @@
     </p:spTree>
     <p:extLst>
       <p:ext uri="{BB962C8B-B14F-4D97-AF65-F5344CB8AC3E}">
-        <p14:creationId xmlns:p14="http://schemas.microsoft.com/office/powerpoint/2010/main" val="1201321667"/>
+        <p14:creationId xmlns:p14="http://schemas.microsoft.com/office/powerpoint/2010/main" val="2594830445"/>
       </p:ext>
     </p:extLst>
   </p:cSld>
@@ -2763,7 +2763,7 @@
           <p:cNvPr id="2" name="标题占位符 1">
             <a:extLst>
               <a:ext uri="{FF2B5EF4-FFF2-40B4-BE49-F238E27FC236}">
-                <a16:creationId xmlns:a16="http://schemas.microsoft.com/office/drawing/2014/main" id="{862B48FA-0727-38E5-39DC-8C35EA849CC4}"/>
+                <a16:creationId xmlns:a16="http://schemas.microsoft.com/office/drawing/2014/main" id="{6A3857D3-DA37-6C7E-80B1-5B6AD2972327}"/>
               </a:ext>
             </a:extLst>
           </p:cNvPr>
@@ -2801,7 +2801,7 @@
           <p:cNvPr id="3" name="文本占位符 2">
             <a:extLst>
               <a:ext uri="{FF2B5EF4-FFF2-40B4-BE49-F238E27FC236}">
-                <a16:creationId xmlns:a16="http://schemas.microsoft.com/office/drawing/2014/main" id="{3320B33B-D5C8-F1DE-9142-6DD7B8F429AE}"/>
+                <a16:creationId xmlns:a16="http://schemas.microsoft.com/office/drawing/2014/main" id="{CC29A840-9EBE-3B92-6427-9391C6AF1904}"/>
               </a:ext>
             </a:extLst>
           </p:cNvPr>
@@ -2868,7 +2868,7 @@
           <p:cNvPr id="4" name="日期占位符 3">
             <a:extLst>
               <a:ext uri="{FF2B5EF4-FFF2-40B4-BE49-F238E27FC236}">
-                <a16:creationId xmlns:a16="http://schemas.microsoft.com/office/drawing/2014/main" id="{FF1BEF6C-923F-7640-C3F4-5A98C23B61D6}"/>
+                <a16:creationId xmlns:a16="http://schemas.microsoft.com/office/drawing/2014/main" id="{010BEF4A-BE02-5B51-0953-701D98A1CA42}"/>
               </a:ext>
             </a:extLst>
           </p:cNvPr>
@@ -2902,7 +2902,7 @@
             </a:lvl1pPr>
           </a:lstStyle>
           <a:p>
-            <a:fld id="{AD3CB3AA-2316-4F40-B0F5-DE3A0062DBBD}" type="datetimeFigureOut">
+            <a:fld id="{B5A3552B-E8B9-49BF-9187-DDB7CAE38423}" type="datetimeFigureOut">
               <a:rPr lang="zh-CN" altLang="en-US" smtClean="0"/>
               <a:t>2024/3/10</a:t>
             </a:fld>
@@ -2915,7 +2915,7 @@
           <p:cNvPr id="5" name="页脚占位符 4">
             <a:extLst>
               <a:ext uri="{FF2B5EF4-FFF2-40B4-BE49-F238E27FC236}">
-                <a16:creationId xmlns:a16="http://schemas.microsoft.com/office/drawing/2014/main" id="{B7EA4069-AE4F-FB18-6204-3D0BC2B754F2}"/>
+                <a16:creationId xmlns:a16="http://schemas.microsoft.com/office/drawing/2014/main" id="{9738F4EA-9CBE-388D-926A-64BCF3305663}"/>
               </a:ext>
             </a:extLst>
           </p:cNvPr>
@@ -2958,7 +2958,7 @@
           <p:cNvPr id="6" name="灯片编号占位符 5">
             <a:extLst>
               <a:ext uri="{FF2B5EF4-FFF2-40B4-BE49-F238E27FC236}">
-                <a16:creationId xmlns:a16="http://schemas.microsoft.com/office/drawing/2014/main" id="{92537335-55D6-8D95-AC73-E279F9B7F8D9}"/>
+                <a16:creationId xmlns:a16="http://schemas.microsoft.com/office/drawing/2014/main" id="{91BD25B2-A3CA-FC03-0FEF-70EFCAC3A079}"/>
               </a:ext>
             </a:extLst>
           </p:cNvPr>
@@ -2992,7 +2992,7 @@
             </a:lvl1pPr>
           </a:lstStyle>
           <a:p>
-            <a:fld id="{248F2F9D-0E0A-4DEA-A3CD-A8F5D3E43C12}" type="slidenum">
+            <a:fld id="{FE315FBA-0E7A-4DC1-9B5B-F6271765557E}" type="slidenum">
               <a:rPr lang="zh-CN" altLang="en-US" smtClean="0"/>
               <a:t>‹#›</a:t>
             </a:fld>
@@ -3003,7 +3003,7 @@
     </p:spTree>
     <p:extLst>
       <p:ext uri="{BB962C8B-B14F-4D97-AF65-F5344CB8AC3E}">
-        <p14:creationId xmlns:p14="http://schemas.microsoft.com/office/powerpoint/2010/main" val="381873097"/>
+        <p14:creationId xmlns:p14="http://schemas.microsoft.com/office/powerpoint/2010/main" val="1606974715"/>
       </p:ext>
     </p:extLst>
   </p:cSld>
@@ -3323,7 +3323,7 @@
       </p:grpSpPr>
       <p:pic>
         <p:nvPicPr>
-          <p:cNvPr id="722946" name="Picture 2" descr="705"/>
+          <p:cNvPr id="723970" name="Picture 2" descr="706"/>
           <p:cNvPicPr>
             <a:picLocks noChangeAspect="1" noChangeArrowheads="1"/>
           </p:cNvPicPr>
@@ -3377,7 +3377,7 @@
       </p:pic>
       <p:pic>
         <p:nvPicPr>
-          <p:cNvPr id="723971" name="Picture 3" descr="705-2"/>
+          <p:cNvPr id="724995" name="Picture 3" descr="706-2"/>
           <p:cNvPicPr>
             <a:picLocks noChangeAspect="1" noChangeArrowheads="1"/>
           </p:cNvPicPr>
@@ -3398,200 +3398,8 @@
         </p:blipFill>
         <p:spPr bwMode="auto">
           <a:xfrm>
-            <a:off x="1558925" y="1"/>
-            <a:ext cx="9144000" cy="6861175"/>
-          </a:xfrm>
-          <a:prstGeom prst="rect">
-            <a:avLst/>
-          </a:prstGeom>
-          <a:noFill/>
-          <a:ln>
-            <a:noFill/>
-          </a:ln>
-          <a:effectLst/>
-          <a:extLst>
-            <a:ext uri="{909E8E84-426E-40DD-AFC4-6F175D3DCCD1}">
-              <a14:hiddenFill xmlns:a14="http://schemas.microsoft.com/office/drawing/2010/main">
-                <a:solidFill>
-                  <a:srgbClr val="FFFFFF"/>
-                </a:solidFill>
-              </a14:hiddenFill>
-            </a:ext>
-            <a:ext uri="{91240B29-F687-4F45-9708-019B960494DF}">
-              <a14:hiddenLine xmlns:a14="http://schemas.microsoft.com/office/drawing/2010/main" w="9525">
-                <a:solidFill>
-                  <a:srgbClr val="000000"/>
-                </a:solidFill>
-                <a:miter lim="800000"/>
-                <a:headEnd/>
-                <a:tailEnd/>
-              </a14:hiddenLine>
-            </a:ext>
-            <a:ext uri="{AF507438-7753-43E0-B8FC-AC1667EBCBE1}">
-              <a14:hiddenEffects xmlns:a14="http://schemas.microsoft.com/office/drawing/2010/main">
-                <a:effectLst>
-                  <a:outerShdw dist="35921" dir="2700000" algn="ctr" rotWithShape="0">
-                    <a:srgbClr val="808080"/>
-                  </a:outerShdw>
-                </a:effectLst>
-              </a14:hiddenEffects>
-            </a:ext>
-          </a:extLst>
-        </p:spPr>
-      </p:pic>
-      <p:pic>
-        <p:nvPicPr>
-          <p:cNvPr id="723972" name="Picture 4" descr="705-3"/>
-          <p:cNvPicPr>
-            <a:picLocks noChangeAspect="1" noChangeArrowheads="1"/>
-          </p:cNvPicPr>
-          <p:nvPr/>
-        </p:nvPicPr>
-        <p:blipFill>
-          <a:blip r:embed="rId4">
-            <a:extLst>
-              <a:ext uri="{28A0092B-C50C-407E-A947-70E740481C1C}">
-                <a14:useLocalDpi xmlns:a14="http://schemas.microsoft.com/office/drawing/2010/main" val="0"/>
-              </a:ext>
-            </a:extLst>
-          </a:blip>
-          <a:srcRect/>
-          <a:stretch>
-            <a:fillRect/>
-          </a:stretch>
-        </p:blipFill>
-        <p:spPr bwMode="auto">
-          <a:xfrm>
-            <a:off x="1524000" y="44450"/>
+            <a:off x="1524000" y="0"/>
             <a:ext cx="9144000" cy="6858000"/>
-          </a:xfrm>
-          <a:prstGeom prst="rect">
-            <a:avLst/>
-          </a:prstGeom>
-          <a:noFill/>
-          <a:ln>
-            <a:noFill/>
-          </a:ln>
-          <a:effectLst/>
-          <a:extLst>
-            <a:ext uri="{909E8E84-426E-40DD-AFC4-6F175D3DCCD1}">
-              <a14:hiddenFill xmlns:a14="http://schemas.microsoft.com/office/drawing/2010/main">
-                <a:solidFill>
-                  <a:srgbClr val="FFFFFF"/>
-                </a:solidFill>
-              </a14:hiddenFill>
-            </a:ext>
-            <a:ext uri="{91240B29-F687-4F45-9708-019B960494DF}">
-              <a14:hiddenLine xmlns:a14="http://schemas.microsoft.com/office/drawing/2010/main" w="9525">
-                <a:solidFill>
-                  <a:srgbClr val="000000"/>
-                </a:solidFill>
-                <a:miter lim="800000"/>
-                <a:headEnd/>
-                <a:tailEnd/>
-              </a14:hiddenLine>
-            </a:ext>
-            <a:ext uri="{AF507438-7753-43E0-B8FC-AC1667EBCBE1}">
-              <a14:hiddenEffects xmlns:a14="http://schemas.microsoft.com/office/drawing/2010/main">
-                <a:effectLst>
-                  <a:outerShdw dist="35921" dir="2700000" algn="ctr" rotWithShape="0">
-                    <a:srgbClr val="808080"/>
-                  </a:outerShdw>
-                </a:effectLst>
-              </a14:hiddenEffects>
-            </a:ext>
-          </a:extLst>
-        </p:spPr>
-      </p:pic>
-      <p:pic>
-        <p:nvPicPr>
-          <p:cNvPr id="723973" name="Picture 5" descr="705-4"/>
-          <p:cNvPicPr>
-            <a:picLocks noChangeAspect="1" noChangeArrowheads="1"/>
-          </p:cNvPicPr>
-          <p:nvPr/>
-        </p:nvPicPr>
-        <p:blipFill>
-          <a:blip r:embed="rId5">
-            <a:extLst>
-              <a:ext uri="{28A0092B-C50C-407E-A947-70E740481C1C}">
-                <a14:useLocalDpi xmlns:a14="http://schemas.microsoft.com/office/drawing/2010/main" val="0"/>
-              </a:ext>
-            </a:extLst>
-          </a:blip>
-          <a:srcRect/>
-          <a:stretch>
-            <a:fillRect/>
-          </a:stretch>
-        </p:blipFill>
-        <p:spPr bwMode="auto">
-          <a:xfrm>
-            <a:off x="1501776" y="0"/>
-            <a:ext cx="9129713" cy="6858000"/>
-          </a:xfrm>
-          <a:prstGeom prst="rect">
-            <a:avLst/>
-          </a:prstGeom>
-          <a:noFill/>
-          <a:ln>
-            <a:noFill/>
-          </a:ln>
-          <a:effectLst/>
-          <a:extLst>
-            <a:ext uri="{909E8E84-426E-40DD-AFC4-6F175D3DCCD1}">
-              <a14:hiddenFill xmlns:a14="http://schemas.microsoft.com/office/drawing/2010/main">
-                <a:solidFill>
-                  <a:srgbClr val="FFFFFF"/>
-                </a:solidFill>
-              </a14:hiddenFill>
-            </a:ext>
-            <a:ext uri="{91240B29-F687-4F45-9708-019B960494DF}">
-              <a14:hiddenLine xmlns:a14="http://schemas.microsoft.com/office/drawing/2010/main" w="9525">
-                <a:solidFill>
-                  <a:srgbClr val="000000"/>
-                </a:solidFill>
-                <a:miter lim="800000"/>
-                <a:headEnd/>
-                <a:tailEnd/>
-              </a14:hiddenLine>
-            </a:ext>
-            <a:ext uri="{AF507438-7753-43E0-B8FC-AC1667EBCBE1}">
-              <a14:hiddenEffects xmlns:a14="http://schemas.microsoft.com/office/drawing/2010/main">
-                <a:effectLst>
-                  <a:outerShdw dist="35921" dir="2700000" algn="ctr" rotWithShape="0">
-                    <a:srgbClr val="808080"/>
-                  </a:outerShdw>
-                </a:effectLst>
-              </a14:hiddenEffects>
-            </a:ext>
-          </a:extLst>
-        </p:spPr>
-      </p:pic>
-      <p:pic>
-        <p:nvPicPr>
-          <p:cNvPr id="723974" name="Picture 6" descr="705-5"/>
-          <p:cNvPicPr>
-            <a:picLocks noChangeAspect="1" noChangeArrowheads="1"/>
-          </p:cNvPicPr>
-          <p:nvPr/>
-        </p:nvPicPr>
-        <p:blipFill>
-          <a:blip r:embed="rId6">
-            <a:extLst>
-              <a:ext uri="{28A0092B-C50C-407E-A947-70E740481C1C}">
-                <a14:useLocalDpi xmlns:a14="http://schemas.microsoft.com/office/drawing/2010/main" val="0"/>
-              </a:ext>
-            </a:extLst>
-          </a:blip>
-          <a:srcRect/>
-          <a:stretch>
-            <a:fillRect/>
-          </a:stretch>
-        </p:blipFill>
-        <p:spPr bwMode="auto">
-          <a:xfrm>
-            <a:off x="1501776" y="0"/>
-            <a:ext cx="9129713" cy="6858000"/>
           </a:xfrm>
           <a:prstGeom prst="rect">
             <a:avLst/>
@@ -3670,7 +3478,7 @@
                                           </p:stCondLst>
                                         </p:cTn>
                                         <p:tgtEl>
-                                          <p:spTgt spid="723971"/>
+                                          <p:spTgt spid="724995"/>
                                         </p:tgtEl>
                                         <p:attrNameLst>
                                           <p:attrName>style.visibility</p:attrName>
@@ -3684,166 +3492,7 @@
                                       <p:cBhvr>
                                         <p:cTn id="7" dur="500"/>
                                         <p:tgtEl>
-                                          <p:spTgt spid="723971"/>
-                                        </p:tgtEl>
-                                      </p:cBhvr>
-                                    </p:animEffect>
-                                  </p:childTnLst>
-                                </p:cTn>
-                              </p:par>
-                            </p:childTnLst>
-                          </p:cTn>
-                        </p:par>
-                      </p:childTnLst>
-                    </p:cTn>
-                  </p:par>
-                  <p:par>
-                    <p:cTn id="8" fill="hold" nodeType="clickPar">
-                      <p:stCondLst>
-                        <p:cond delay="indefinite"/>
-                      </p:stCondLst>
-                      <p:childTnLst>
-                        <p:par>
-                          <p:cTn id="9" fill="hold" nodeType="withGroup">
-                            <p:stCondLst>
-                              <p:cond delay="0"/>
-                            </p:stCondLst>
-                            <p:childTnLst>
-                              <p:par>
-                                <p:cTn id="10" presetID="10" presetClass="entr" presetSubtype="0" fill="hold" nodeType="clickEffect">
-                                  <p:stCondLst>
-                                    <p:cond delay="0"/>
-                                  </p:stCondLst>
-                                  <p:childTnLst>
-                                    <p:set>
-                                      <p:cBhvr>
-                                        <p:cTn id="11" dur="1" fill="hold">
-                                          <p:stCondLst>
-                                            <p:cond delay="0"/>
-                                          </p:stCondLst>
-                                        </p:cTn>
-                                        <p:tgtEl>
-                                          <p:spTgt spid="723972"/>
-                                        </p:tgtEl>
-                                        <p:attrNameLst>
-                                          <p:attrName>style.visibility</p:attrName>
-                                        </p:attrNameLst>
-                                      </p:cBhvr>
-                                      <p:to>
-                                        <p:strVal val="visible"/>
-                                      </p:to>
-                                    </p:set>
-                                    <p:animEffect transition="in" filter="fade">
-                                      <p:cBhvr>
-                                        <p:cTn id="12" dur="500"/>
-                                        <p:tgtEl>
-                                          <p:spTgt spid="723972"/>
-                                        </p:tgtEl>
-                                      </p:cBhvr>
-                                    </p:animEffect>
-                                  </p:childTnLst>
-                                </p:cTn>
-                              </p:par>
-                            </p:childTnLst>
-                          </p:cTn>
-                        </p:par>
-                      </p:childTnLst>
-                    </p:cTn>
-                  </p:par>
-                  <p:par>
-                    <p:cTn id="13" fill="hold" nodeType="clickPar">
-                      <p:stCondLst>
-                        <p:cond delay="indefinite"/>
-                      </p:stCondLst>
-                      <p:childTnLst>
-                        <p:par>
-                          <p:cTn id="14" fill="hold" nodeType="withGroup">
-                            <p:stCondLst>
-                              <p:cond delay="0"/>
-                            </p:stCondLst>
-                            <p:childTnLst>
-                              <p:par>
-                                <p:cTn id="15" presetID="10" presetClass="entr" presetSubtype="0" fill="hold" nodeType="clickEffect">
-                                  <p:stCondLst>
-                                    <p:cond delay="0"/>
-                                  </p:stCondLst>
-                                  <p:childTnLst>
-                                    <p:set>
-                                      <p:cBhvr>
-                                        <p:cTn id="16" dur="1" fill="hold">
-                                          <p:stCondLst>
-                                            <p:cond delay="0"/>
-                                          </p:stCondLst>
-                                        </p:cTn>
-                                        <p:tgtEl>
-                                          <p:spTgt spid="723973"/>
-                                        </p:tgtEl>
-                                        <p:attrNameLst>
-                                          <p:attrName>style.visibility</p:attrName>
-                                        </p:attrNameLst>
-                                      </p:cBhvr>
-                                      <p:to>
-                                        <p:strVal val="visible"/>
-                                      </p:to>
-                                    </p:set>
-                                    <p:animEffect transition="in" filter="fade">
-                                      <p:cBhvr>
-                                        <p:cTn id="17" dur="500"/>
-                                        <p:tgtEl>
-                                          <p:spTgt spid="723973"/>
-                                        </p:tgtEl>
-                                      </p:cBhvr>
-                                    </p:animEffect>
-                                  </p:childTnLst>
-                                </p:cTn>
-                              </p:par>
-                            </p:childTnLst>
-                          </p:cTn>
-                        </p:par>
-                      </p:childTnLst>
-                    </p:cTn>
-                  </p:par>
-                  <p:par>
-                    <p:cTn id="18" fill="hold" nodeType="clickPar">
-                      <p:stCondLst>
-                        <p:cond delay="indefinite"/>
-                      </p:stCondLst>
-                      <p:childTnLst>
-                        <p:par>
-                          <p:cTn id="19" fill="hold" nodeType="withGroup">
-                            <p:stCondLst>
-                              <p:cond delay="0"/>
-                            </p:stCondLst>
-                            <p:childTnLst>
-                              <p:par>
-                                <p:cTn id="20" presetID="10" presetClass="entr" presetSubtype="0" fill="hold" nodeType="clickEffect">
-                                  <p:stCondLst>
-                                    <p:cond delay="0"/>
-                                  </p:stCondLst>
-                                  <p:childTnLst>
-                                    <p:set>
-                                      <p:cBhvr>
-                                        <p:cTn id="21" dur="1" fill="hold">
-                                          <p:stCondLst>
-                                            <p:cond delay="0"/>
-                                          </p:stCondLst>
-                                        </p:cTn>
-                                        <p:tgtEl>
-                                          <p:spTgt spid="723974"/>
-                                        </p:tgtEl>
-                                        <p:attrNameLst>
-                                          <p:attrName>style.visibility</p:attrName>
-                                        </p:attrNameLst>
-                                      </p:cBhvr>
-                                      <p:to>
-                                        <p:strVal val="visible"/>
-                                      </p:to>
-                                    </p:set>
-                                    <p:animEffect transition="in" filter="fade">
-                                      <p:cBhvr>
-                                        <p:cTn id="22" dur="500"/>
-                                        <p:tgtEl>
-                                          <p:spTgt spid="723974"/>
+                                          <p:spTgt spid="724995"/>
                                         </p:tgtEl>
                                       </p:cBhvr>
                                     </p:animEffect>
